--- a/SASS-tehtavat.pptx
+++ b/SASS-tehtavat.pptx
@@ -9,8 +9,7 @@
     <p:sldId id="257" r:id="rId3"/>
     <p:sldId id="259" r:id="rId4"/>
     <p:sldId id="260" r:id="rId5"/>
-    <p:sldId id="261" r:id="rId6"/>
-    <p:sldId id="262" r:id="rId7"/>
+    <p:sldId id="262" r:id="rId6"/>
   </p:sldIdLst>
   <p:sldSz cx="9144000" cy="6858000" type="screen4x3"/>
   <p:notesSz cx="6858000" cy="9144000"/>
@@ -3322,237 +3321,6 @@
           </a:p>
         </p:txBody>
       </p:sp>
-      <p:sp>
-        <p:nvSpPr>
-          <p:cNvPr id="6" name="Rectangle 5"/>
-          <p:cNvSpPr/>
-          <p:nvPr/>
-        </p:nvSpPr>
-        <p:spPr>
-          <a:xfrm>
-            <a:off x="449875" y="5758394"/>
-            <a:ext cx="5177370" cy="923330"/>
-          </a:xfrm>
-          <a:prstGeom prst="rect">
-            <a:avLst/>
-          </a:prstGeom>
-        </p:spPr>
-        <p:txBody>
-          <a:bodyPr wrap="square">
-            <a:spAutoFit/>
-          </a:bodyPr>
-          <a:lstStyle/>
-          <a:p>
-            <a:r>
-              <a:rPr lang="en-US" dirty="0" err="1" smtClean="0"/>
-              <a:t>Lopuksi</a:t>
-            </a:r>
-            <a:r>
-              <a:rPr lang="en-US" dirty="0" smtClean="0"/>
-              <a:t> </a:t>
-            </a:r>
-            <a:r>
-              <a:rPr lang="en-US" dirty="0" err="1" smtClean="0"/>
-              <a:t>esitellään</a:t>
-            </a:r>
-            <a:r>
-              <a:rPr lang="en-US" dirty="0" smtClean="0"/>
-              <a:t> </a:t>
-            </a:r>
-            <a:r>
-              <a:rPr lang="en-US" dirty="0" err="1" smtClean="0"/>
-              <a:t>suullisesti</a:t>
-            </a:r>
-            <a:r>
-              <a:rPr lang="en-US" dirty="0"/>
-              <a:t> </a:t>
-            </a:r>
-            <a:r>
-              <a:rPr lang="en-US" dirty="0" smtClean="0"/>
-              <a:t>HTML 5:n </a:t>
-            </a:r>
-            <a:r>
-              <a:rPr lang="en-US" dirty="0" err="1" smtClean="0"/>
-              <a:t>uudet</a:t>
-            </a:r>
-            <a:r>
-              <a:rPr lang="en-US" dirty="0" smtClean="0"/>
-              <a:t> </a:t>
-            </a:r>
-            <a:r>
-              <a:rPr lang="en-US" dirty="0" err="1" smtClean="0"/>
-              <a:t>tagit</a:t>
-            </a:r>
-            <a:r>
-              <a:rPr lang="en-US" dirty="0" smtClean="0"/>
-              <a:t>. </a:t>
-            </a:r>
-            <a:r>
-              <a:rPr lang="en-US" dirty="0" err="1" smtClean="0"/>
-              <a:t>Mikä</a:t>
-            </a:r>
-            <a:r>
-              <a:rPr lang="en-US" dirty="0" smtClean="0"/>
-              <a:t> on </a:t>
-            </a:r>
-            <a:r>
-              <a:rPr lang="en-US" dirty="0" err="1" smtClean="0"/>
-              <a:t>esim</a:t>
-            </a:r>
-            <a:r>
-              <a:rPr lang="en-US" dirty="0" smtClean="0"/>
-              <a:t>. &lt;footer&gt; -</a:t>
-            </a:r>
-            <a:r>
-              <a:rPr lang="en-US" dirty="0" err="1" smtClean="0"/>
-              <a:t>elementin</a:t>
-            </a:r>
-            <a:r>
-              <a:rPr lang="en-US" dirty="0" smtClean="0"/>
-              <a:t> </a:t>
-            </a:r>
-            <a:r>
-              <a:rPr lang="en-US" dirty="0" err="1" smtClean="0"/>
-              <a:t>suhde</a:t>
-            </a:r>
-            <a:r>
-              <a:rPr lang="en-US" dirty="0" smtClean="0"/>
-              <a:t> &lt;div&gt;-</a:t>
-            </a:r>
-            <a:r>
-              <a:rPr lang="en-US" dirty="0" err="1" smtClean="0"/>
-              <a:t>elementtiin</a:t>
-            </a:r>
-            <a:r>
-              <a:rPr lang="en-US" dirty="0" smtClean="0"/>
-              <a:t>?</a:t>
-            </a:r>
-          </a:p>
-        </p:txBody>
-      </p:sp>
-      <p:sp>
-        <p:nvSpPr>
-          <p:cNvPr id="7" name="Rectangle 6"/>
-          <p:cNvSpPr/>
-          <p:nvPr/>
-        </p:nvSpPr>
-        <p:spPr>
-          <a:xfrm>
-            <a:off x="5627245" y="5771043"/>
-            <a:ext cx="3378900" cy="923330"/>
-          </a:xfrm>
-          <a:prstGeom prst="rect">
-            <a:avLst/>
-          </a:prstGeom>
-        </p:spPr>
-        <p:txBody>
-          <a:bodyPr wrap="square">
-            <a:spAutoFit/>
-          </a:bodyPr>
-          <a:lstStyle/>
-          <a:p>
-            <a:r>
-              <a:rPr lang="en-US" dirty="0" err="1"/>
-              <a:t>P</a:t>
-            </a:r>
-            <a:r>
-              <a:rPr lang="en-US" dirty="0" err="1" smtClean="0"/>
-              <a:t>ushataan</a:t>
-            </a:r>
-            <a:r>
-              <a:rPr lang="en-US" dirty="0" smtClean="0"/>
-              <a:t> </a:t>
-            </a:r>
-            <a:r>
-              <a:rPr lang="en-US" dirty="0" err="1" smtClean="0"/>
-              <a:t>muutokset</a:t>
-            </a:r>
-            <a:r>
-              <a:rPr lang="en-US" dirty="0" smtClean="0"/>
-              <a:t> </a:t>
-            </a:r>
-            <a:r>
-              <a:rPr lang="en-US" dirty="0" err="1" smtClean="0"/>
-              <a:t>githubiin</a:t>
-            </a:r>
-            <a:r>
-              <a:rPr lang="en-US" dirty="0" smtClean="0"/>
-              <a:t/>
-            </a:r>
-            <a:br>
-              <a:rPr lang="en-US" dirty="0" smtClean="0"/>
-            </a:br>
-            <a:r>
-              <a:rPr lang="en-US" dirty="0" err="1" smtClean="0"/>
-              <a:t>tiedostoon</a:t>
-            </a:r>
-            <a:r>
-              <a:rPr lang="en-US" dirty="0" smtClean="0"/>
-              <a:t> </a:t>
-            </a:r>
-            <a:r>
-              <a:rPr lang="en-US" b="1" dirty="0" smtClean="0"/>
-              <a:t>index1.html</a:t>
-            </a:r>
-            <a:r>
-              <a:rPr lang="en-US" dirty="0" smtClean="0"/>
-              <a:t> </a:t>
-            </a:r>
-            <a:r>
-              <a:rPr lang="en-US" dirty="0" err="1" smtClean="0"/>
-              <a:t>ja</a:t>
-            </a:r>
-            <a:r>
-              <a:rPr lang="en-US" dirty="0" smtClean="0"/>
-              <a:t> </a:t>
-            </a:r>
-            <a:r>
-              <a:rPr lang="en-US" dirty="0" err="1" smtClean="0"/>
-              <a:t>esitellään</a:t>
-            </a:r>
-            <a:r>
-              <a:rPr lang="en-US" dirty="0" smtClean="0"/>
-              <a:t> </a:t>
-            </a:r>
-            <a:r>
-              <a:rPr lang="en-US" dirty="0" err="1" smtClean="0"/>
-              <a:t>lähdekoodia</a:t>
-            </a:r>
-            <a:r>
-              <a:rPr lang="en-US" dirty="0" smtClean="0"/>
-              <a:t>.</a:t>
-            </a:r>
-          </a:p>
-        </p:txBody>
-      </p:sp>
-      <p:sp>
-        <p:nvSpPr>
-          <p:cNvPr id="8" name="Rectangle 7"/>
-          <p:cNvSpPr/>
-          <p:nvPr/>
-        </p:nvSpPr>
-        <p:spPr>
-          <a:xfrm>
-            <a:off x="3214830" y="156291"/>
-            <a:ext cx="4573368" cy="369332"/>
-          </a:xfrm>
-          <a:prstGeom prst="rect">
-            <a:avLst/>
-          </a:prstGeom>
-        </p:spPr>
-        <p:txBody>
-          <a:bodyPr wrap="none">
-            <a:spAutoFit/>
-          </a:bodyPr>
-          <a:lstStyle/>
-          <a:p>
-            <a:r>
-              <a:rPr lang="fi-FI" dirty="0"/>
-              <a:t>git clone https://github.com/timleh/HTML5.git</a:t>
-            </a:r>
-          </a:p>
-        </p:txBody>
-      </p:sp>
     </p:spTree>
     <p:extLst>
       <p:ext uri="{BB962C8B-B14F-4D97-AF65-F5344CB8AC3E}">
@@ -3661,7 +3429,7 @@
         <p:spPr>
           <a:xfrm>
             <a:off x="4710546" y="1393152"/>
-            <a:ext cx="4299186" cy="2308324"/>
+            <a:ext cx="4305153" cy="3139321"/>
           </a:xfrm>
           <a:prstGeom prst="rect">
             <a:avLst/>
@@ -3780,16 +3548,141 @@
             </a:r>
             <a:r>
               <a:rPr lang="en-US" dirty="0" smtClean="0"/>
+              <a:t>. </a:t>
+            </a:r>
+            <a:r>
+              <a:rPr lang="en-US" dirty="0" err="1" smtClean="0"/>
+              <a:t>Esim</a:t>
+            </a:r>
+            <a:r>
+              <a:rPr lang="en-US" dirty="0" smtClean="0"/>
+              <a:t>. 480px </a:t>
+            </a:r>
+            <a:r>
+              <a:rPr lang="en-US" dirty="0" err="1" smtClean="0"/>
+              <a:t>leveällä</a:t>
+            </a:r>
+            <a:endParaRPr lang="en-US" dirty="0" smtClean="0"/>
+          </a:p>
+          <a:p>
+            <a:r>
+              <a:rPr lang="en-US" dirty="0" err="1" smtClean="0"/>
+              <a:t>näytöllä</a:t>
+            </a:r>
+            <a:r>
+              <a:rPr lang="en-US" dirty="0" smtClean="0"/>
+              <a:t> </a:t>
+            </a:r>
+            <a:r>
+              <a:rPr lang="en-US" dirty="0" err="1" smtClean="0"/>
+              <a:t>näkyy</a:t>
+            </a:r>
+            <a:r>
+              <a:rPr lang="en-US" dirty="0" smtClean="0"/>
+              <a:t> vain </a:t>
+            </a:r>
+            <a:r>
+              <a:rPr lang="en-US" dirty="0" err="1" smtClean="0"/>
+              <a:t>valinnat</a:t>
+            </a:r>
+            <a:r>
+              <a:rPr lang="en-US" dirty="0" smtClean="0"/>
+              <a:t> </a:t>
+            </a:r>
+            <a:r>
+              <a:rPr lang="en-US" dirty="0" err="1" smtClean="0"/>
+              <a:t>Yritys</a:t>
+            </a:r>
+            <a:r>
+              <a:rPr lang="en-US" dirty="0" smtClean="0"/>
+              <a:t> </a:t>
+            </a:r>
+            <a:r>
+              <a:rPr lang="en-US" dirty="0" err="1" smtClean="0"/>
+              <a:t>ja</a:t>
+            </a:r>
+            <a:r>
+              <a:rPr lang="en-US" dirty="0" smtClean="0"/>
+              <a:t> </a:t>
+            </a:r>
+            <a:r>
+              <a:rPr lang="en-US" dirty="0" err="1" smtClean="0"/>
+              <a:t>Ura</a:t>
+            </a:r>
+            <a:r>
+              <a:rPr lang="en-US" dirty="0" smtClean="0"/>
+              <a:t>, </a:t>
+            </a:r>
+            <a:r>
+              <a:rPr lang="en-US" dirty="0" err="1" smtClean="0"/>
+              <a:t>ja</a:t>
+            </a:r>
+            <a:r>
+              <a:rPr lang="en-US" dirty="0" smtClean="0"/>
+              <a:t/>
+            </a:r>
+            <a:br>
+              <a:rPr lang="en-US" dirty="0" smtClean="0"/>
+            </a:br>
+            <a:r>
+              <a:rPr lang="en-US" dirty="0" err="1" smtClean="0"/>
+              <a:t>loput</a:t>
+            </a:r>
+            <a:r>
+              <a:rPr lang="en-US" dirty="0" smtClean="0"/>
+              <a:t> </a:t>
+            </a:r>
+            <a:r>
+              <a:rPr lang="en-US" dirty="0" err="1" smtClean="0"/>
+              <a:t>ovat</a:t>
+            </a:r>
+            <a:r>
+              <a:rPr lang="en-US" dirty="0" smtClean="0"/>
+              <a:t> </a:t>
+            </a:r>
+            <a:r>
+              <a:rPr lang="en-US" dirty="0" err="1" smtClean="0"/>
+              <a:t>valittavissa</a:t>
+            </a:r>
+            <a:r>
+              <a:rPr lang="en-US" dirty="0" smtClean="0"/>
+              <a:t> </a:t>
+            </a:r>
+            <a:r>
+              <a:rPr lang="en-US" dirty="0" err="1" smtClean="0"/>
+              <a:t>painikkeen</a:t>
+            </a:r>
+            <a:r>
+              <a:rPr lang="en-US" dirty="0" smtClean="0"/>
+              <a:t> </a:t>
+            </a:r>
+          </a:p>
+          <a:p>
+            <a:r>
+              <a:rPr lang="en-US" dirty="0" err="1" smtClean="0"/>
+              <a:t>takaa</a:t>
+            </a:r>
+            <a:r>
+              <a:rPr lang="en-US" dirty="0" smtClean="0"/>
               <a:t>.</a:t>
             </a:r>
-          </a:p>
-          <a:p>
+            <a:br>
+              <a:rPr lang="en-US" dirty="0" smtClean="0"/>
+            </a:br>
             <a:endParaRPr lang="en-US" dirty="0"/>
           </a:p>
           <a:p>
             <a:r>
               <a:rPr lang="en-US" dirty="0" err="1" smtClean="0"/>
-              <a:t>Lentäjäkuva</a:t>
+              <a:t>Myös</a:t>
+            </a:r>
+            <a:r>
+              <a:rPr lang="en-US" dirty="0" smtClean="0"/>
+              <a:t> </a:t>
+            </a:r>
+            <a:r>
+              <a:rPr lang="en-US" dirty="0" err="1" smtClean="0"/>
+              <a:t>lentäjäkuva</a:t>
             </a:r>
             <a:r>
               <a:rPr lang="en-US" dirty="0" smtClean="0"/>
@@ -3852,129 +3745,70 @@
           </a:p>
         </p:txBody>
       </p:sp>
-      <p:sp>
-        <p:nvSpPr>
-          <p:cNvPr id="8" name="Rectangle 7"/>
-          <p:cNvSpPr/>
+      <p:pic>
+        <p:nvPicPr>
+          <p:cNvPr id="1026" name="Picture 2"/>
+          <p:cNvPicPr>
+            <a:picLocks noChangeAspect="1" noChangeArrowheads="1"/>
+          </p:cNvPicPr>
           <p:nvPr/>
-        </p:nvSpPr>
-        <p:spPr>
+        </p:nvPicPr>
+        <p:blipFill>
+          <a:blip r:embed="rId3">
+            <a:extLst>
+              <a:ext uri="{28A0092B-C50C-407E-A947-70E740481C1C}">
+                <a14:useLocalDpi xmlns:a14="http://schemas.microsoft.com/office/drawing/2010/main" val="0"/>
+              </a:ext>
+            </a:extLst>
+          </a:blip>
+          <a:srcRect/>
+          <a:stretch>
+            <a:fillRect/>
+          </a:stretch>
+        </p:blipFill>
+        <p:spPr bwMode="auto">
           <a:xfrm>
-            <a:off x="3214830" y="156291"/>
-            <a:ext cx="4573368" cy="369332"/>
+            <a:off x="7970779" y="2824313"/>
+            <a:ext cx="361950" cy="257175"/>
           </a:xfrm>
           <a:prstGeom prst="rect">
             <a:avLst/>
           </a:prstGeom>
+          <a:noFill/>
+          <a:ln>
+            <a:noFill/>
+          </a:ln>
+          <a:effectLst/>
+          <a:extLst>
+            <a:ext uri="{909E8E84-426E-40DD-AFC4-6F175D3DCCD1}">
+              <a14:hiddenFill xmlns:a14="http://schemas.microsoft.com/office/drawing/2010/main">
+                <a:solidFill>
+                  <a:schemeClr val="accent1"/>
+                </a:solidFill>
+              </a14:hiddenFill>
+            </a:ext>
+            <a:ext uri="{91240B29-F687-4F45-9708-019B960494DF}">
+              <a14:hiddenLine xmlns:a14="http://schemas.microsoft.com/office/drawing/2010/main" w="9525">
+                <a:solidFill>
+                  <a:schemeClr val="tx1"/>
+                </a:solidFill>
+                <a:miter lim="800000"/>
+                <a:headEnd/>
+                <a:tailEnd/>
+              </a14:hiddenLine>
+            </a:ext>
+            <a:ext uri="{AF507438-7753-43E0-B8FC-AC1667EBCBE1}">
+              <a14:hiddenEffects xmlns:a14="http://schemas.microsoft.com/office/drawing/2010/main">
+                <a:effectLst>
+                  <a:outerShdw dist="35921" dir="2700000" algn="ctr" rotWithShape="0">
+                    <a:schemeClr val="bg2"/>
+                  </a:outerShdw>
+                </a:effectLst>
+              </a14:hiddenEffects>
+            </a:ext>
+          </a:extLst>
         </p:spPr>
-        <p:txBody>
-          <a:bodyPr wrap="none">
-            <a:spAutoFit/>
-          </a:bodyPr>
-          <a:lstStyle/>
-          <a:p>
-            <a:r>
-              <a:rPr lang="fi-FI" dirty="0"/>
-              <a:t>git clone https://github.com/timleh/HTML5.git</a:t>
-            </a:r>
-          </a:p>
-        </p:txBody>
-      </p:sp>
-      <p:sp>
-        <p:nvSpPr>
-          <p:cNvPr id="9" name="Rectangle 8"/>
-          <p:cNvSpPr/>
-          <p:nvPr/>
-        </p:nvSpPr>
-        <p:spPr>
-          <a:xfrm>
-            <a:off x="5627245" y="5771043"/>
-            <a:ext cx="3378900" cy="923330"/>
-          </a:xfrm>
-          <a:prstGeom prst="rect">
-            <a:avLst/>
-          </a:prstGeom>
-        </p:spPr>
-        <p:txBody>
-          <a:bodyPr wrap="square">
-            <a:spAutoFit/>
-          </a:bodyPr>
-          <a:lstStyle/>
-          <a:p>
-            <a:r>
-              <a:rPr lang="en-US" dirty="0" err="1"/>
-              <a:t>P</a:t>
-            </a:r>
-            <a:r>
-              <a:rPr lang="en-US" dirty="0" err="1" smtClean="0"/>
-              <a:t>ushataan</a:t>
-            </a:r>
-            <a:r>
-              <a:rPr lang="en-US" dirty="0" smtClean="0"/>
-              <a:t> </a:t>
-            </a:r>
-            <a:r>
-              <a:rPr lang="en-US" dirty="0" err="1" smtClean="0"/>
-              <a:t>muutokset</a:t>
-            </a:r>
-            <a:r>
-              <a:rPr lang="en-US" dirty="0" smtClean="0"/>
-              <a:t> </a:t>
-            </a:r>
-            <a:r>
-              <a:rPr lang="en-US" dirty="0" err="1" smtClean="0"/>
-              <a:t>githubiin</a:t>
-            </a:r>
-            <a:r>
-              <a:rPr lang="en-US" dirty="0" smtClean="0"/>
-              <a:t/>
-            </a:r>
-            <a:br>
-              <a:rPr lang="en-US" dirty="0" smtClean="0"/>
-            </a:br>
-            <a:r>
-              <a:rPr lang="en-US" dirty="0" err="1" smtClean="0"/>
-              <a:t>tiedostoon</a:t>
-            </a:r>
-            <a:r>
-              <a:rPr lang="en-US" dirty="0" smtClean="0"/>
-              <a:t> </a:t>
-            </a:r>
-            <a:r>
-              <a:rPr lang="en-US" b="1" dirty="0" smtClean="0"/>
-              <a:t>index2.html</a:t>
-            </a:r>
-            <a:r>
-              <a:rPr lang="en-US" dirty="0" smtClean="0"/>
-              <a:t> </a:t>
-            </a:r>
-            <a:r>
-              <a:rPr lang="en-US" dirty="0" err="1" smtClean="0"/>
-              <a:t>ja</a:t>
-            </a:r>
-            <a:r>
-              <a:rPr lang="en-US" dirty="0" smtClean="0"/>
-              <a:t> </a:t>
-            </a:r>
-            <a:r>
-              <a:rPr lang="en-US" dirty="0" err="1" smtClean="0"/>
-              <a:t>esitellään</a:t>
-            </a:r>
-            <a:r>
-              <a:rPr lang="en-US" dirty="0" smtClean="0"/>
-              <a:t> </a:t>
-            </a:r>
-            <a:r>
-              <a:rPr lang="en-US" dirty="0" err="1" smtClean="0"/>
-              <a:t>lähdekoodia</a:t>
-            </a:r>
-            <a:r>
-              <a:rPr lang="en-US" dirty="0" smtClean="0"/>
-              <a:t>.</a:t>
-            </a:r>
-          </a:p>
-        </p:txBody>
-      </p:sp>
+      </p:pic>
     </p:spTree>
     <p:extLst>
       <p:ext uri="{BB962C8B-B14F-4D97-AF65-F5344CB8AC3E}">
@@ -4211,129 +4045,6 @@
           <a:p>
             <a:pPr algn="ctr"/>
             <a:endParaRPr lang="en-US"/>
-          </a:p>
-        </p:txBody>
-      </p:sp>
-      <p:sp>
-        <p:nvSpPr>
-          <p:cNvPr id="6" name="Rectangle 5"/>
-          <p:cNvSpPr/>
-          <p:nvPr/>
-        </p:nvSpPr>
-        <p:spPr>
-          <a:xfrm>
-            <a:off x="3214830" y="156291"/>
-            <a:ext cx="4573368" cy="369332"/>
-          </a:xfrm>
-          <a:prstGeom prst="rect">
-            <a:avLst/>
-          </a:prstGeom>
-        </p:spPr>
-        <p:txBody>
-          <a:bodyPr wrap="none">
-            <a:spAutoFit/>
-          </a:bodyPr>
-          <a:lstStyle/>
-          <a:p>
-            <a:r>
-              <a:rPr lang="fi-FI" dirty="0"/>
-              <a:t>git clone https://github.com/timleh/HTML5.git</a:t>
-            </a:r>
-          </a:p>
-        </p:txBody>
-      </p:sp>
-      <p:sp>
-        <p:nvSpPr>
-          <p:cNvPr id="8" name="Rectangle 7"/>
-          <p:cNvSpPr/>
-          <p:nvPr/>
-        </p:nvSpPr>
-        <p:spPr>
-          <a:xfrm>
-            <a:off x="5604574" y="5771043"/>
-            <a:ext cx="3378900" cy="923330"/>
-          </a:xfrm>
-          <a:prstGeom prst="rect">
-            <a:avLst/>
-          </a:prstGeom>
-        </p:spPr>
-        <p:txBody>
-          <a:bodyPr wrap="square">
-            <a:spAutoFit/>
-          </a:bodyPr>
-          <a:lstStyle/>
-          <a:p>
-            <a:r>
-              <a:rPr lang="en-US" dirty="0" err="1"/>
-              <a:t>P</a:t>
-            </a:r>
-            <a:r>
-              <a:rPr lang="en-US" dirty="0" err="1" smtClean="0"/>
-              <a:t>ushataan</a:t>
-            </a:r>
-            <a:r>
-              <a:rPr lang="en-US" dirty="0" smtClean="0"/>
-              <a:t> </a:t>
-            </a:r>
-            <a:r>
-              <a:rPr lang="en-US" dirty="0" err="1" smtClean="0"/>
-              <a:t>muutokset</a:t>
-            </a:r>
-            <a:r>
-              <a:rPr lang="en-US" dirty="0" smtClean="0"/>
-              <a:t> </a:t>
-            </a:r>
-            <a:r>
-              <a:rPr lang="en-US" dirty="0" err="1" smtClean="0"/>
-              <a:t>githubiin</a:t>
-            </a:r>
-            <a:r>
-              <a:rPr lang="en-US" dirty="0" smtClean="0"/>
-              <a:t/>
-            </a:r>
-            <a:br>
-              <a:rPr lang="en-US" dirty="0" smtClean="0"/>
-            </a:br>
-            <a:r>
-              <a:rPr lang="en-US" dirty="0" err="1" smtClean="0"/>
-              <a:t>tiedostoon</a:t>
-            </a:r>
-            <a:r>
-              <a:rPr lang="en-US" dirty="0" smtClean="0"/>
-              <a:t> </a:t>
-            </a:r>
-            <a:r>
-              <a:rPr lang="en-US" b="1" dirty="0" smtClean="0"/>
-              <a:t>index3.html</a:t>
-            </a:r>
-            <a:r>
-              <a:rPr lang="en-US" dirty="0" smtClean="0"/>
-              <a:t> </a:t>
-            </a:r>
-            <a:r>
-              <a:rPr lang="en-US" dirty="0" err="1" smtClean="0"/>
-              <a:t>ja</a:t>
-            </a:r>
-            <a:r>
-              <a:rPr lang="en-US" dirty="0" smtClean="0"/>
-              <a:t> </a:t>
-            </a:r>
-            <a:r>
-              <a:rPr lang="en-US" dirty="0" err="1" smtClean="0"/>
-              <a:t>esitellään</a:t>
-            </a:r>
-            <a:r>
-              <a:rPr lang="en-US" dirty="0" smtClean="0"/>
-              <a:t> </a:t>
-            </a:r>
-            <a:r>
-              <a:rPr lang="en-US" dirty="0" err="1" smtClean="0"/>
-              <a:t>lähdekoodia</a:t>
-            </a:r>
-            <a:r>
-              <a:rPr lang="en-US" dirty="0" smtClean="0"/>
-              <a:t>.</a:t>
-            </a:r>
           </a:p>
         </p:txBody>
       </p:sp>
@@ -4509,129 +4220,6 @@
           </a:p>
         </p:txBody>
       </p:sp>
-      <p:sp>
-        <p:nvSpPr>
-          <p:cNvPr id="6" name="Rectangle 5"/>
-          <p:cNvSpPr/>
-          <p:nvPr/>
-        </p:nvSpPr>
-        <p:spPr>
-          <a:xfrm>
-            <a:off x="3214830" y="156291"/>
-            <a:ext cx="4573368" cy="369332"/>
-          </a:xfrm>
-          <a:prstGeom prst="rect">
-            <a:avLst/>
-          </a:prstGeom>
-        </p:spPr>
-        <p:txBody>
-          <a:bodyPr wrap="none">
-            <a:spAutoFit/>
-          </a:bodyPr>
-          <a:lstStyle/>
-          <a:p>
-            <a:r>
-              <a:rPr lang="fi-FI" dirty="0"/>
-              <a:t>git clone https://github.com/timleh/HTML5.git</a:t>
-            </a:r>
-          </a:p>
-        </p:txBody>
-      </p:sp>
-      <p:sp>
-        <p:nvSpPr>
-          <p:cNvPr id="7" name="Rectangle 6"/>
-          <p:cNvSpPr/>
-          <p:nvPr/>
-        </p:nvSpPr>
-        <p:spPr>
-          <a:xfrm>
-            <a:off x="5627245" y="5771043"/>
-            <a:ext cx="3378900" cy="923330"/>
-          </a:xfrm>
-          <a:prstGeom prst="rect">
-            <a:avLst/>
-          </a:prstGeom>
-        </p:spPr>
-        <p:txBody>
-          <a:bodyPr wrap="square">
-            <a:spAutoFit/>
-          </a:bodyPr>
-          <a:lstStyle/>
-          <a:p>
-            <a:r>
-              <a:rPr lang="en-US" dirty="0" err="1"/>
-              <a:t>P</a:t>
-            </a:r>
-            <a:r>
-              <a:rPr lang="en-US" dirty="0" err="1" smtClean="0"/>
-              <a:t>ushataan</a:t>
-            </a:r>
-            <a:r>
-              <a:rPr lang="en-US" dirty="0" smtClean="0"/>
-              <a:t> </a:t>
-            </a:r>
-            <a:r>
-              <a:rPr lang="en-US" dirty="0" err="1" smtClean="0"/>
-              <a:t>muutokset</a:t>
-            </a:r>
-            <a:r>
-              <a:rPr lang="en-US" dirty="0" smtClean="0"/>
-              <a:t> </a:t>
-            </a:r>
-            <a:r>
-              <a:rPr lang="en-US" dirty="0" err="1" smtClean="0"/>
-              <a:t>githubiin</a:t>
-            </a:r>
-            <a:r>
-              <a:rPr lang="en-US" dirty="0" smtClean="0"/>
-              <a:t/>
-            </a:r>
-            <a:br>
-              <a:rPr lang="en-US" dirty="0" smtClean="0"/>
-            </a:br>
-            <a:r>
-              <a:rPr lang="en-US" dirty="0" err="1" smtClean="0"/>
-              <a:t>tiedostoon</a:t>
-            </a:r>
-            <a:r>
-              <a:rPr lang="en-US" dirty="0" smtClean="0"/>
-              <a:t> </a:t>
-            </a:r>
-            <a:r>
-              <a:rPr lang="en-US" b="1" dirty="0" smtClean="0"/>
-              <a:t>index4.html</a:t>
-            </a:r>
-            <a:r>
-              <a:rPr lang="en-US" dirty="0" smtClean="0"/>
-              <a:t> </a:t>
-            </a:r>
-            <a:r>
-              <a:rPr lang="en-US" dirty="0" err="1" smtClean="0"/>
-              <a:t>ja</a:t>
-            </a:r>
-            <a:r>
-              <a:rPr lang="en-US" dirty="0" smtClean="0"/>
-              <a:t> </a:t>
-            </a:r>
-            <a:r>
-              <a:rPr lang="en-US" dirty="0" err="1" smtClean="0"/>
-              <a:t>esitellään</a:t>
-            </a:r>
-            <a:r>
-              <a:rPr lang="en-US" dirty="0" smtClean="0"/>
-              <a:t> </a:t>
-            </a:r>
-            <a:r>
-              <a:rPr lang="en-US" dirty="0" err="1" smtClean="0"/>
-              <a:t>lähdekoodia</a:t>
-            </a:r>
-            <a:r>
-              <a:rPr lang="en-US" dirty="0" smtClean="0"/>
-              <a:t>.</a:t>
-            </a:r>
-          </a:p>
-        </p:txBody>
-      </p:sp>
     </p:spTree>
     <p:extLst>
       <p:ext uri="{BB962C8B-B14F-4D97-AF65-F5344CB8AC3E}">
@@ -4678,8 +4266,8 @@
         </p:blipFill>
         <p:spPr>
           <a:xfrm>
-            <a:off x="477212" y="310188"/>
-            <a:ext cx="7504545" cy="4739713"/>
+            <a:off x="477212" y="310189"/>
+            <a:ext cx="6673601" cy="4214906"/>
           </a:xfrm>
           <a:prstGeom prst="rect">
             <a:avLst/>
@@ -4688,14 +4276,14 @@
       </p:pic>
       <p:sp>
         <p:nvSpPr>
-          <p:cNvPr id="5" name="TextBox 4"/>
+          <p:cNvPr id="9" name="TextBox 8"/>
           <p:cNvSpPr txBox="1"/>
           <p:nvPr/>
         </p:nvSpPr>
         <p:spPr>
           <a:xfrm>
-            <a:off x="685031" y="5264727"/>
-            <a:ext cx="6680969" cy="646331"/>
+            <a:off x="685031" y="4525095"/>
+            <a:ext cx="8048003" cy="2308324"/>
           </a:xfrm>
           <a:prstGeom prst="rect">
             <a:avLst/>
@@ -4718,392 +4306,6 @@
             </a:r>
             <a:r>
               <a:rPr lang="en-US" dirty="0" err="1" smtClean="0"/>
-              <a:t>Laitetaan</a:t>
-            </a:r>
-            <a:r>
-              <a:rPr lang="en-US" dirty="0" smtClean="0"/>
-              <a:t> </a:t>
-            </a:r>
-            <a:r>
-              <a:rPr lang="en-US" dirty="0" err="1" smtClean="0"/>
-              <a:t>SASS:illa</a:t>
-            </a:r>
-            <a:r>
-              <a:rPr lang="en-US" dirty="0" smtClean="0"/>
-              <a:t> </a:t>
-            </a:r>
-            <a:r>
-              <a:rPr lang="en-US" dirty="0" err="1" smtClean="0"/>
-              <a:t>kuvien</a:t>
-            </a:r>
-            <a:r>
-              <a:rPr lang="en-US" dirty="0" smtClean="0"/>
-              <a:t> </a:t>
-            </a:r>
-            <a:r>
-              <a:rPr lang="en-US" dirty="0" err="1" smtClean="0"/>
-              <a:t>päälle</a:t>
-            </a:r>
-            <a:r>
-              <a:rPr lang="en-US" dirty="0" smtClean="0"/>
-              <a:t> </a:t>
-            </a:r>
-            <a:r>
-              <a:rPr lang="en-US" dirty="0" err="1" smtClean="0"/>
-              <a:t>yläosaan</a:t>
-            </a:r>
-            <a:r>
-              <a:rPr lang="en-US" dirty="0" smtClean="0"/>
-              <a:t> </a:t>
-            </a:r>
-            <a:br>
-              <a:rPr lang="en-US" dirty="0" smtClean="0"/>
-            </a:br>
-            <a:r>
-              <a:rPr lang="en-US" dirty="0" err="1" smtClean="0"/>
-              <a:t>ellipsin</a:t>
-            </a:r>
-            <a:r>
-              <a:rPr lang="en-US" dirty="0" smtClean="0"/>
-              <a:t> </a:t>
-            </a:r>
-            <a:r>
-              <a:rPr lang="en-US" dirty="0" err="1" smtClean="0"/>
-              <a:t>muotoinen</a:t>
-            </a:r>
-            <a:r>
-              <a:rPr lang="en-US" dirty="0" smtClean="0"/>
-              <a:t> </a:t>
-            </a:r>
-            <a:r>
-              <a:rPr lang="en-US" dirty="0" err="1" smtClean="0"/>
-              <a:t>valkoinen</a:t>
-            </a:r>
-            <a:r>
-              <a:rPr lang="en-US" dirty="0" smtClean="0"/>
-              <a:t> </a:t>
-            </a:r>
-            <a:r>
-              <a:rPr lang="en-US" dirty="0" err="1" smtClean="0"/>
-              <a:t>osuus</a:t>
-            </a:r>
-            <a:r>
-              <a:rPr lang="en-US" dirty="0" smtClean="0"/>
-              <a:t>.</a:t>
-            </a:r>
-          </a:p>
-        </p:txBody>
-      </p:sp>
-      <p:cxnSp>
-        <p:nvCxnSpPr>
-          <p:cNvPr id="7" name="Straight Arrow Connector 6"/>
-          <p:cNvCxnSpPr/>
-          <p:nvPr/>
-        </p:nvCxnSpPr>
-        <p:spPr>
-          <a:xfrm flipV="1">
-            <a:off x="5378017" y="3040303"/>
-            <a:ext cx="1403013" cy="2345746"/>
-          </a:xfrm>
-          <a:prstGeom prst="straightConnector1">
-            <a:avLst/>
-          </a:prstGeom>
-          <a:ln>
-            <a:tailEnd type="arrow"/>
-          </a:ln>
-        </p:spPr>
-        <p:style>
-          <a:lnRef idx="2">
-            <a:schemeClr val="accent1"/>
-          </a:lnRef>
-          <a:fillRef idx="0">
-            <a:schemeClr val="accent1"/>
-          </a:fillRef>
-          <a:effectRef idx="1">
-            <a:schemeClr val="accent1"/>
-          </a:effectRef>
-          <a:fontRef idx="minor">
-            <a:schemeClr val="tx1"/>
-          </a:fontRef>
-        </p:style>
-      </p:cxnSp>
-      <p:sp>
-        <p:nvSpPr>
-          <p:cNvPr id="6" name="Rectangle 5"/>
-          <p:cNvSpPr/>
-          <p:nvPr/>
-        </p:nvSpPr>
-        <p:spPr>
-          <a:xfrm>
-            <a:off x="3214830" y="156291"/>
-            <a:ext cx="4573368" cy="369332"/>
-          </a:xfrm>
-          <a:prstGeom prst="rect">
-            <a:avLst/>
-          </a:prstGeom>
-        </p:spPr>
-        <p:txBody>
-          <a:bodyPr wrap="none">
-            <a:spAutoFit/>
-          </a:bodyPr>
-          <a:lstStyle/>
-          <a:p>
-            <a:r>
-              <a:rPr lang="fi-FI" dirty="0"/>
-              <a:t>git clone https://github.com/timleh/HTML5.git</a:t>
-            </a:r>
-          </a:p>
-        </p:txBody>
-      </p:sp>
-      <p:sp>
-        <p:nvSpPr>
-          <p:cNvPr id="9" name="Rectangle 8"/>
-          <p:cNvSpPr/>
-          <p:nvPr/>
-        </p:nvSpPr>
-        <p:spPr>
-          <a:xfrm>
-            <a:off x="5627245" y="5771043"/>
-            <a:ext cx="3378900" cy="923330"/>
-          </a:xfrm>
-          <a:prstGeom prst="rect">
-            <a:avLst/>
-          </a:prstGeom>
-        </p:spPr>
-        <p:txBody>
-          <a:bodyPr wrap="square">
-            <a:spAutoFit/>
-          </a:bodyPr>
-          <a:lstStyle/>
-          <a:p>
-            <a:r>
-              <a:rPr lang="en-US" dirty="0" err="1"/>
-              <a:t>P</a:t>
-            </a:r>
-            <a:r>
-              <a:rPr lang="en-US" dirty="0" err="1" smtClean="0"/>
-              <a:t>ushataan</a:t>
-            </a:r>
-            <a:r>
-              <a:rPr lang="en-US" dirty="0" smtClean="0"/>
-              <a:t> </a:t>
-            </a:r>
-            <a:r>
-              <a:rPr lang="en-US" dirty="0" err="1" smtClean="0"/>
-              <a:t>muutokset</a:t>
-            </a:r>
-            <a:r>
-              <a:rPr lang="en-US" dirty="0" smtClean="0"/>
-              <a:t> </a:t>
-            </a:r>
-            <a:r>
-              <a:rPr lang="en-US" dirty="0" err="1" smtClean="0"/>
-              <a:t>githubiin</a:t>
-            </a:r>
-            <a:r>
-              <a:rPr lang="en-US" dirty="0" smtClean="0"/>
-              <a:t/>
-            </a:r>
-            <a:br>
-              <a:rPr lang="en-US" dirty="0" smtClean="0"/>
-            </a:br>
-            <a:r>
-              <a:rPr lang="en-US" dirty="0" err="1" smtClean="0"/>
-              <a:t>tiedostoon</a:t>
-            </a:r>
-            <a:r>
-              <a:rPr lang="en-US" dirty="0" smtClean="0"/>
-              <a:t> </a:t>
-            </a:r>
-            <a:r>
-              <a:rPr lang="en-US" b="1" dirty="0" smtClean="0"/>
-              <a:t>index5.html</a:t>
-            </a:r>
-            <a:r>
-              <a:rPr lang="en-US" dirty="0" smtClean="0"/>
-              <a:t> </a:t>
-            </a:r>
-            <a:r>
-              <a:rPr lang="en-US" dirty="0" err="1" smtClean="0"/>
-              <a:t>ja</a:t>
-            </a:r>
-            <a:r>
-              <a:rPr lang="en-US" dirty="0" smtClean="0"/>
-              <a:t> </a:t>
-            </a:r>
-            <a:r>
-              <a:rPr lang="en-US" dirty="0" err="1" smtClean="0"/>
-              <a:t>esitellään</a:t>
-            </a:r>
-            <a:r>
-              <a:rPr lang="en-US" dirty="0" smtClean="0"/>
-              <a:t> </a:t>
-            </a:r>
-            <a:r>
-              <a:rPr lang="en-US" dirty="0" err="1" smtClean="0"/>
-              <a:t>lähdekoodia</a:t>
-            </a:r>
-            <a:r>
-              <a:rPr lang="en-US" dirty="0" smtClean="0"/>
-              <a:t>.</a:t>
-            </a:r>
-          </a:p>
-        </p:txBody>
-      </p:sp>
-    </p:spTree>
-    <p:extLst>
-      <p:ext uri="{BB962C8B-B14F-4D97-AF65-F5344CB8AC3E}">
-        <p14:creationId xmlns:p14="http://schemas.microsoft.com/office/powerpoint/2010/main" val="4256204374"/>
-      </p:ext>
-    </p:extLst>
-  </p:cSld>
-  <p:clrMapOvr>
-    <a:masterClrMapping/>
-  </p:clrMapOvr>
-</p:sld>
-</file>
-
-<file path=ppt/slides/slide6.xml><?xml version="1.0" encoding="utf-8"?>
-<p:sld xmlns:a="http://schemas.openxmlformats.org/drawingml/2006/main" xmlns:r="http://schemas.openxmlformats.org/officeDocument/2006/relationships" xmlns:p="http://schemas.openxmlformats.org/presentationml/2006/main">
-  <p:cSld>
-    <p:spTree>
-      <p:nvGrpSpPr>
-        <p:cNvPr id="1" name=""/>
-        <p:cNvGrpSpPr/>
-        <p:nvPr/>
-      </p:nvGrpSpPr>
-      <p:grpSpPr>
-        <a:xfrm>
-          <a:off x="0" y="0"/>
-          <a:ext cx="0" cy="0"/>
-          <a:chOff x="0" y="0"/>
-          <a:chExt cx="0" cy="0"/>
-        </a:xfrm>
-      </p:grpSpPr>
-      <p:pic>
-        <p:nvPicPr>
-          <p:cNvPr id="4" name="Picture 3"/>
-          <p:cNvPicPr>
-            <a:picLocks noChangeAspect="1"/>
-          </p:cNvPicPr>
-          <p:nvPr/>
-        </p:nvPicPr>
-        <p:blipFill>
-          <a:blip r:embed="rId2"/>
-          <a:stretch>
-            <a:fillRect/>
-          </a:stretch>
-        </p:blipFill>
-        <p:spPr>
-          <a:xfrm>
-            <a:off x="477212" y="310188"/>
-            <a:ext cx="7504545" cy="4739713"/>
-          </a:xfrm>
-          <a:prstGeom prst="rect">
-            <a:avLst/>
-          </a:prstGeom>
-        </p:spPr>
-      </p:pic>
-      <p:sp>
-        <p:nvSpPr>
-          <p:cNvPr id="6" name="Rectangle 5"/>
-          <p:cNvSpPr/>
-          <p:nvPr/>
-        </p:nvSpPr>
-        <p:spPr>
-          <a:xfrm>
-            <a:off x="3214830" y="156291"/>
-            <a:ext cx="4573368" cy="369332"/>
-          </a:xfrm>
-          <a:prstGeom prst="rect">
-            <a:avLst/>
-          </a:prstGeom>
-        </p:spPr>
-        <p:txBody>
-          <a:bodyPr wrap="none">
-            <a:spAutoFit/>
-          </a:bodyPr>
-          <a:lstStyle/>
-          <a:p>
-            <a:r>
-              <a:rPr lang="fi-FI" dirty="0"/>
-              <a:t>git clone https://github.com/timleh/HTML5.git</a:t>
-            </a:r>
-          </a:p>
-        </p:txBody>
-      </p:sp>
-      <p:sp>
-        <p:nvSpPr>
-          <p:cNvPr id="9" name="TextBox 8"/>
-          <p:cNvSpPr txBox="1"/>
-          <p:nvPr/>
-        </p:nvSpPr>
-        <p:spPr>
-          <a:xfrm>
-            <a:off x="685031" y="5264727"/>
-            <a:ext cx="6680969" cy="923330"/>
-          </a:xfrm>
-          <a:prstGeom prst="rect">
-            <a:avLst/>
-          </a:prstGeom>
-          <a:noFill/>
-        </p:spPr>
-        <p:txBody>
-          <a:bodyPr wrap="square" rtlCol="0">
-            <a:spAutoFit/>
-          </a:bodyPr>
-          <a:lstStyle/>
-          <a:p>
-            <a:r>
-              <a:rPr lang="en-US" b="1" dirty="0" err="1" smtClean="0"/>
-              <a:t>Tehtävä</a:t>
-            </a:r>
-            <a:r>
-              <a:rPr lang="en-US" dirty="0" smtClean="0"/>
-              <a:t>: </a:t>
-            </a:r>
-            <a:r>
-              <a:rPr lang="en-US" dirty="0" err="1" smtClean="0"/>
-              <a:t>Miten</a:t>
-            </a:r>
-            <a:r>
-              <a:rPr lang="en-US" dirty="0" smtClean="0"/>
-              <a:t> </a:t>
-            </a:r>
-            <a:r>
-              <a:rPr lang="en-US" dirty="0" err="1" smtClean="0"/>
-              <a:t>toimivat</a:t>
-            </a:r>
-            <a:r>
-              <a:rPr lang="en-US" dirty="0" smtClean="0"/>
-              <a:t> </a:t>
-            </a:r>
-            <a:r>
-              <a:rPr lang="en-US" dirty="0" err="1" smtClean="0"/>
-              <a:t>fontit</a:t>
-            </a:r>
-            <a:r>
-              <a:rPr lang="en-US" dirty="0" smtClean="0"/>
-              <a:t> </a:t>
-            </a:r>
-            <a:r>
-              <a:rPr lang="en-US" dirty="0" err="1" smtClean="0"/>
-              <a:t>tänä</a:t>
-            </a:r>
-            <a:r>
-              <a:rPr lang="en-US" dirty="0" smtClean="0"/>
-              <a:t> </a:t>
-            </a:r>
-            <a:r>
-              <a:rPr lang="en-US" dirty="0" err="1" smtClean="0"/>
-              <a:t>päivänä</a:t>
-            </a:r>
-            <a:r>
-              <a:rPr lang="en-US" dirty="0" smtClean="0"/>
-              <a:t>? </a:t>
-            </a:r>
-            <a:r>
-              <a:rPr lang="en-US" dirty="0" err="1" smtClean="0"/>
               <a:t>Asetaan</a:t>
             </a:r>
             <a:r>
@@ -5136,8 +4338,92 @@
             </a:r>
             <a:r>
               <a:rPr lang="en-US" dirty="0" smtClean="0"/>
-              <a:t>“chaparral-pro”. </a:t>
-            </a:r>
+              <a:t>Google-</a:t>
+            </a:r>
+            <a:r>
+              <a:rPr lang="en-US" dirty="0" err="1" smtClean="0"/>
+              <a:t>fontti</a:t>
+            </a:r>
+            <a:r>
+              <a:rPr lang="en-US" dirty="0" smtClean="0"/>
+              <a:t> “</a:t>
+            </a:r>
+            <a:r>
+              <a:rPr lang="en-US" dirty="0" err="1" smtClean="0"/>
+              <a:t>ABeeZee</a:t>
+            </a:r>
+            <a:r>
+              <a:rPr lang="en-US" dirty="0" smtClean="0"/>
+              <a:t>”, </a:t>
+            </a:r>
+            <a:r>
+              <a:rPr lang="en-US" dirty="0" err="1" smtClean="0"/>
+              <a:t>ks</a:t>
+            </a:r>
+            <a:r>
+              <a:rPr lang="en-US" dirty="0"/>
+              <a:t>. </a:t>
+            </a:r>
+            <a:r>
+              <a:rPr lang="en-US" dirty="0">
+                <a:hlinkClick r:id="rId3"/>
+              </a:rPr>
+              <a:t>http://</a:t>
+            </a:r>
+            <a:r>
+              <a:rPr lang="en-US" dirty="0" smtClean="0">
+                <a:hlinkClick r:id="rId3"/>
+              </a:rPr>
+              <a:t>www.google.com/webfonts/specimen/ABeeZee</a:t>
+            </a:r>
+            <a:r>
+              <a:rPr lang="en-US" dirty="0" smtClean="0"/>
+              <a:t> </a:t>
+            </a:r>
+          </a:p>
+          <a:p>
+            <a:endParaRPr lang="en-US" dirty="0" smtClean="0"/>
+          </a:p>
+          <a:p>
+            <a:r>
+              <a:rPr lang="en-US" dirty="0" smtClean="0"/>
+              <a:t>(</a:t>
+            </a:r>
+            <a:r>
+              <a:rPr lang="en-US" dirty="0" err="1" smtClean="0"/>
+              <a:t>vinkki</a:t>
+            </a:r>
+            <a:r>
+              <a:rPr lang="en-US" dirty="0" smtClean="0"/>
+              <a:t>: </a:t>
+            </a:r>
+            <a:r>
+              <a:rPr lang="en-US" dirty="0" err="1" smtClean="0"/>
+              <a:t>pitää</a:t>
+            </a:r>
+            <a:r>
+              <a:rPr lang="en-US" dirty="0" smtClean="0"/>
+              <a:t> </a:t>
+            </a:r>
+            <a:r>
+              <a:rPr lang="en-US" dirty="0" err="1" smtClean="0"/>
+              <a:t>muokata</a:t>
+            </a:r>
+            <a:r>
+              <a:rPr lang="en-US" dirty="0" smtClean="0"/>
+              <a:t> </a:t>
+            </a:r>
+            <a:r>
+              <a:rPr lang="en-US" dirty="0" err="1" smtClean="0"/>
+              <a:t>JavaScriptiä</a:t>
+            </a:r>
+            <a:r>
+              <a:rPr lang="en-US" dirty="0" smtClean="0"/>
+              <a:t>)</a:t>
+            </a:r>
+            <a:br>
+              <a:rPr lang="en-US" dirty="0" smtClean="0"/>
+            </a:br>
             <a:r>
               <a:rPr lang="en-US" dirty="0" err="1" smtClean="0"/>
               <a:t>Jatkokysymys</a:t>
@@ -5167,27 +4453,16 @@
               <a:t>miten</a:t>
             </a:r>
             <a:r>
-              <a:rPr lang="en-US" dirty="0" smtClean="0"/>
-              <a:t/>
-            </a:r>
-            <a:br>
-              <a:rPr lang="en-US" dirty="0" smtClean="0"/>
-            </a:br>
+              <a:rPr lang="en-US" dirty="0"/>
+              <a:t> </a:t>
+            </a:r>
             <a:r>
               <a:rPr lang="en-US" dirty="0" smtClean="0"/>
               <a:t>se </a:t>
             </a:r>
             <a:r>
               <a:rPr lang="en-US" dirty="0" err="1" smtClean="0"/>
-              <a:t>voisi</a:t>
-            </a:r>
-            <a:r>
-              <a:rPr lang="en-US" dirty="0" smtClean="0"/>
-              <a:t> </a:t>
-            </a:r>
-            <a:r>
-              <a:rPr lang="en-US" dirty="0" err="1" smtClean="0"/>
-              <a:t>toimia</a:t>
+              <a:t>toimii</a:t>
             </a:r>
             <a:r>
               <a:rPr lang="en-US" dirty="0" smtClean="0"/>
@@ -5207,78 +4482,151 @@
             </a:r>
             <a:r>
               <a:rPr lang="en-US" dirty="0" smtClean="0"/>
-              <a:t>?</a:t>
-            </a:r>
-          </a:p>
-        </p:txBody>
-      </p:sp>
-      <p:sp>
-        <p:nvSpPr>
-          <p:cNvPr id="10" name="Rectangle 9"/>
-          <p:cNvSpPr/>
-          <p:nvPr/>
-        </p:nvSpPr>
-        <p:spPr>
-          <a:xfrm>
-            <a:off x="5627245" y="5925962"/>
-            <a:ext cx="3378900" cy="923330"/>
-          </a:xfrm>
-          <a:prstGeom prst="rect">
-            <a:avLst/>
-          </a:prstGeom>
-        </p:spPr>
-        <p:txBody>
-          <a:bodyPr wrap="square">
-            <a:spAutoFit/>
-          </a:bodyPr>
-          <a:lstStyle/>
-          <a:p>
-            <a:r>
-              <a:rPr lang="en-US" dirty="0" err="1"/>
-              <a:t>P</a:t>
-            </a:r>
-            <a:r>
-              <a:rPr lang="en-US" dirty="0" err="1" smtClean="0"/>
-              <a:t>ushataan</a:t>
-            </a:r>
-            <a:r>
-              <a:rPr lang="en-US" dirty="0" smtClean="0"/>
-              <a:t> </a:t>
-            </a:r>
-            <a:r>
-              <a:rPr lang="en-US" dirty="0" err="1" smtClean="0"/>
-              <a:t>muutokset</a:t>
-            </a:r>
-            <a:r>
-              <a:rPr lang="en-US" dirty="0" smtClean="0"/>
-              <a:t> </a:t>
-            </a:r>
-            <a:r>
-              <a:rPr lang="en-US" dirty="0" err="1" smtClean="0"/>
-              <a:t>githubiin</a:t>
-            </a:r>
-            <a:r>
-              <a:rPr lang="en-US" dirty="0" smtClean="0"/>
-              <a:t/>
-            </a:r>
-            <a:br>
-              <a:rPr lang="en-US" dirty="0" smtClean="0"/>
-            </a:br>
-            <a:r>
-              <a:rPr lang="en-US" dirty="0" err="1" smtClean="0"/>
-              <a:t>tiedostoon</a:t>
-            </a:r>
-            <a:r>
-              <a:rPr lang="en-US" dirty="0" smtClean="0"/>
-              <a:t> </a:t>
-            </a:r>
-            <a:r>
-              <a:rPr lang="en-US" b="1" dirty="0" smtClean="0"/>
-              <a:t>index6.html</a:t>
-            </a:r>
-            <a:r>
-              <a:rPr lang="en-US" dirty="0" smtClean="0"/>
-              <a:t> </a:t>
+              <a:t>? </a:t>
+            </a:r>
+            <a:r>
+              <a:rPr lang="en-US" dirty="0" err="1" smtClean="0"/>
+              <a:t>Paina</a:t>
+            </a:r>
+            <a:r>
+              <a:rPr lang="en-US" dirty="0" smtClean="0"/>
+              <a:t> g-</a:t>
+            </a:r>
+            <a:r>
+              <a:rPr lang="en-US" dirty="0" err="1" smtClean="0"/>
+              <a:t>näppäintä</a:t>
+            </a:r>
+            <a:r>
+              <a:rPr lang="en-US" dirty="0" smtClean="0"/>
+              <a:t>! </a:t>
+            </a:r>
+            <a:r>
+              <a:rPr lang="en-US" dirty="0" err="1" smtClean="0"/>
+              <a:t>Mitä</a:t>
+            </a:r>
+            <a:r>
+              <a:rPr lang="en-US" dirty="0" smtClean="0"/>
+              <a:t> </a:t>
+            </a:r>
+            <a:r>
+              <a:rPr lang="en-US" dirty="0" err="1" smtClean="0"/>
+              <a:t>näkyy</a:t>
+            </a:r>
+            <a:r>
+              <a:rPr lang="en-US" dirty="0" smtClean="0"/>
+              <a:t>? Tee </a:t>
+            </a:r>
+            <a:r>
+              <a:rPr lang="en-US" dirty="0" err="1" smtClean="0"/>
+              <a:t>sama</a:t>
+            </a:r>
+            <a:r>
+              <a:rPr lang="en-US" dirty="0" smtClean="0"/>
+              <a:t> </a:t>
+            </a:r>
+            <a:r>
+              <a:rPr lang="en-US" dirty="0" err="1" smtClean="0"/>
+              <a:t>juuren</a:t>
+            </a:r>
+            <a:r>
+              <a:rPr lang="en-US" dirty="0" smtClean="0"/>
+              <a:t> </a:t>
+            </a:r>
+            <a:r>
+              <a:rPr lang="en-US" dirty="0" err="1" smtClean="0"/>
+              <a:t>index.html:ssa</a:t>
+            </a:r>
+            <a:r>
+              <a:rPr lang="en-US" dirty="0" smtClean="0"/>
+              <a:t>. </a:t>
+            </a:r>
+            <a:r>
+              <a:rPr lang="en-US" dirty="0" err="1" smtClean="0"/>
+              <a:t>Siinä</a:t>
+            </a:r>
+            <a:r>
+              <a:rPr lang="en-US" dirty="0" smtClean="0"/>
+              <a:t> </a:t>
+            </a:r>
+            <a:r>
+              <a:rPr lang="en-US" dirty="0" err="1" smtClean="0"/>
+              <a:t>mennee</a:t>
+            </a:r>
+            <a:r>
+              <a:rPr lang="en-US" dirty="0" smtClean="0"/>
+              <a:t> </a:t>
+            </a:r>
+            <a:r>
+              <a:rPr lang="en-US" dirty="0" err="1" smtClean="0"/>
+              <a:t>kohdilleen</a:t>
+            </a:r>
+            <a:r>
+              <a:rPr lang="en-US" dirty="0" smtClean="0"/>
+              <a:t>? </a:t>
+            </a:r>
+            <a:r>
+              <a:rPr lang="en-US" dirty="0" err="1" smtClean="0"/>
+              <a:t>Muuta</a:t>
+            </a:r>
+            <a:r>
+              <a:rPr lang="en-US" dirty="0" smtClean="0"/>
+              <a:t> _</a:t>
+            </a:r>
+            <a:r>
+              <a:rPr lang="en-US" dirty="0" err="1" smtClean="0"/>
+              <a:t>vars:issa</a:t>
+            </a:r>
+            <a:r>
+              <a:rPr lang="en-US" dirty="0" smtClean="0"/>
+              <a:t> </a:t>
+            </a:r>
+            <a:r>
+              <a:rPr lang="en-US" dirty="0" err="1" smtClean="0"/>
+              <a:t>oleava</a:t>
+            </a:r>
+            <a:r>
+              <a:rPr lang="en-US" dirty="0" smtClean="0"/>
+              <a:t> </a:t>
+            </a:r>
+            <a:r>
+              <a:rPr lang="en-US" dirty="0" err="1" smtClean="0"/>
+              <a:t>baselinea</a:t>
+            </a:r>
+            <a:r>
+              <a:rPr lang="en-US" dirty="0" smtClean="0"/>
+              <a:t>. </a:t>
+            </a:r>
+            <a:r>
+              <a:rPr lang="en-US" dirty="0" err="1" smtClean="0"/>
+              <a:t>Mikä</a:t>
+            </a:r>
+            <a:r>
+              <a:rPr lang="en-US" dirty="0" smtClean="0"/>
+              <a:t> </a:t>
+            </a:r>
+            <a:r>
+              <a:rPr lang="en-US" dirty="0" err="1" smtClean="0"/>
+              <a:t>muuttuu</a:t>
+            </a:r>
+            <a:r>
+              <a:rPr lang="en-US" dirty="0" smtClean="0"/>
+              <a:t>? </a:t>
+            </a:r>
+            <a:r>
+              <a:rPr lang="en-US" dirty="0" err="1" smtClean="0"/>
+              <a:t>Muuta</a:t>
+            </a:r>
+            <a:r>
+              <a:rPr lang="en-US" dirty="0" smtClean="0"/>
+              <a:t> </a:t>
+            </a:r>
+            <a:r>
+              <a:rPr lang="en-US" dirty="0" err="1" smtClean="0"/>
+              <a:t>vielä</a:t>
+            </a:r>
+            <a:r>
+              <a:rPr lang="en-US" dirty="0" smtClean="0"/>
+              <a:t> column </a:t>
             </a:r>
             <a:r>
               <a:rPr lang="en-US" dirty="0" err="1" smtClean="0"/>
@@ -5286,24 +4634,13 @@
             </a:r>
             <a:r>
               <a:rPr lang="en-US" dirty="0" smtClean="0"/>
-              <a:t> </a:t>
-            </a:r>
-            <a:r>
-              <a:rPr lang="en-US" dirty="0" err="1" smtClean="0"/>
-              <a:t>esitellään</a:t>
-            </a:r>
-            <a:r>
-              <a:rPr lang="en-US" dirty="0" smtClean="0"/>
-              <a:t> </a:t>
-            </a:r>
-            <a:r>
-              <a:rPr lang="en-US" dirty="0" err="1" smtClean="0"/>
-              <a:t>lähdekoodia</a:t>
-            </a:r>
-            <a:r>
-              <a:rPr lang="en-US" dirty="0" smtClean="0"/>
-              <a:t>.</a:t>
-            </a:r>
+              <a:t> gutter-</a:t>
+            </a:r>
+            <a:r>
+              <a:rPr lang="en-US" smtClean="0"/>
+              <a:t>muutujiakin</a:t>
+            </a:r>
+            <a:endParaRPr lang="en-US" dirty="0" smtClean="0"/>
           </a:p>
         </p:txBody>
       </p:sp>
